--- a/Images/table for accuracy score.pptx
+++ b/Images/table for accuracy score.pptx
@@ -262,7 +262,7 @@
           <a:p>
             <a:fld id="{0261C464-7383-A745-969B-A6C59AF0EE47}" type="datetimeFigureOut">
               <a:rPr lang="en-US" smtClean="0"/>
-              <a:t>2/9/23</a:t>
+              <a:t>2/10/23</a:t>
             </a:fld>
             <a:endParaRPr lang="en-US"/>
           </a:p>
@@ -462,7 +462,7 @@
           <a:p>
             <a:fld id="{0261C464-7383-A745-969B-A6C59AF0EE47}" type="datetimeFigureOut">
               <a:rPr lang="en-US" smtClean="0"/>
-              <a:t>2/9/23</a:t>
+              <a:t>2/10/23</a:t>
             </a:fld>
             <a:endParaRPr lang="en-US"/>
           </a:p>
@@ -672,7 +672,7 @@
           <a:p>
             <a:fld id="{0261C464-7383-A745-969B-A6C59AF0EE47}" type="datetimeFigureOut">
               <a:rPr lang="en-US" smtClean="0"/>
-              <a:t>2/9/23</a:t>
+              <a:t>2/10/23</a:t>
             </a:fld>
             <a:endParaRPr lang="en-US"/>
           </a:p>
@@ -872,7 +872,7 @@
           <a:p>
             <a:fld id="{0261C464-7383-A745-969B-A6C59AF0EE47}" type="datetimeFigureOut">
               <a:rPr lang="en-US" smtClean="0"/>
-              <a:t>2/9/23</a:t>
+              <a:t>2/10/23</a:t>
             </a:fld>
             <a:endParaRPr lang="en-US"/>
           </a:p>
@@ -1148,7 +1148,7 @@
           <a:p>
             <a:fld id="{0261C464-7383-A745-969B-A6C59AF0EE47}" type="datetimeFigureOut">
               <a:rPr lang="en-US" smtClean="0"/>
-              <a:t>2/9/23</a:t>
+              <a:t>2/10/23</a:t>
             </a:fld>
             <a:endParaRPr lang="en-US"/>
           </a:p>
@@ -1416,7 +1416,7 @@
           <a:p>
             <a:fld id="{0261C464-7383-A745-969B-A6C59AF0EE47}" type="datetimeFigureOut">
               <a:rPr lang="en-US" smtClean="0"/>
-              <a:t>2/9/23</a:t>
+              <a:t>2/10/23</a:t>
             </a:fld>
             <a:endParaRPr lang="en-US"/>
           </a:p>
@@ -1831,7 +1831,7 @@
           <a:p>
             <a:fld id="{0261C464-7383-A745-969B-A6C59AF0EE47}" type="datetimeFigureOut">
               <a:rPr lang="en-US" smtClean="0"/>
-              <a:t>2/9/23</a:t>
+              <a:t>2/10/23</a:t>
             </a:fld>
             <a:endParaRPr lang="en-US"/>
           </a:p>
@@ -1973,7 +1973,7 @@
           <a:p>
             <a:fld id="{0261C464-7383-A745-969B-A6C59AF0EE47}" type="datetimeFigureOut">
               <a:rPr lang="en-US" smtClean="0"/>
-              <a:t>2/9/23</a:t>
+              <a:t>2/10/23</a:t>
             </a:fld>
             <a:endParaRPr lang="en-US"/>
           </a:p>
@@ -2086,7 +2086,7 @@
           <a:p>
             <a:fld id="{0261C464-7383-A745-969B-A6C59AF0EE47}" type="datetimeFigureOut">
               <a:rPr lang="en-US" smtClean="0"/>
-              <a:t>2/9/23</a:t>
+              <a:t>2/10/23</a:t>
             </a:fld>
             <a:endParaRPr lang="en-US"/>
           </a:p>
@@ -2399,7 +2399,7 @@
           <a:p>
             <a:fld id="{0261C464-7383-A745-969B-A6C59AF0EE47}" type="datetimeFigureOut">
               <a:rPr lang="en-US" smtClean="0"/>
-              <a:t>2/9/23</a:t>
+              <a:t>2/10/23</a:t>
             </a:fld>
             <a:endParaRPr lang="en-US"/>
           </a:p>
@@ -2688,7 +2688,7 @@
           <a:p>
             <a:fld id="{0261C464-7383-A745-969B-A6C59AF0EE47}" type="datetimeFigureOut">
               <a:rPr lang="en-US" smtClean="0"/>
-              <a:t>2/9/23</a:t>
+              <a:t>2/10/23</a:t>
             </a:fld>
             <a:endParaRPr lang="en-US"/>
           </a:p>
@@ -2931,7 +2931,7 @@
           <a:p>
             <a:fld id="{0261C464-7383-A745-969B-A6C59AF0EE47}" type="datetimeFigureOut">
               <a:rPr lang="en-US" smtClean="0"/>
-              <a:t>2/9/23</a:t>
+              <a:t>2/10/23</a:t>
             </a:fld>
             <a:endParaRPr lang="en-US"/>
           </a:p>
@@ -3363,14 +3363,14 @@
           <p:nvPr>
             <p:extLst>
               <p:ext uri="{D42A27DB-BD31-4B8C-83A1-F6EECF244321}">
-                <p14:modId xmlns:p14="http://schemas.microsoft.com/office/powerpoint/2010/main" val="128391025"/>
+                <p14:modId xmlns:p14="http://schemas.microsoft.com/office/powerpoint/2010/main" val="1387473191"/>
               </p:ext>
             </p:extLst>
           </p:nvPr>
         </p:nvGraphicFramePr>
         <p:xfrm>
-          <a:off x="1769807" y="1486581"/>
-          <a:ext cx="8200101" cy="3912080"/>
+          <a:off x="1179871" y="1486581"/>
+          <a:ext cx="8790037" cy="3912080"/>
         </p:xfrm>
         <a:graphic>
           <a:graphicData uri="http://schemas.openxmlformats.org/drawingml/2006/table">
@@ -3379,21 +3379,21 @@
                 <a:tableStyleId>{5C22544A-7EE6-4342-B048-85BDC9FD1C3A}</a:tableStyleId>
               </a:tblPr>
               <a:tblGrid>
-                <a:gridCol w="3170902">
+                <a:gridCol w="3399025">
                   <a:extLst>
                     <a:ext uri="{9D8B030D-6E8A-4147-A177-3AD203B41FA5}">
                       <a16:colId xmlns:a16="http://schemas.microsoft.com/office/drawing/2014/main" val="2965858708"/>
                     </a:ext>
                   </a:extLst>
                 </a:gridCol>
-                <a:gridCol w="2295832">
+                <a:gridCol w="2461000">
                   <a:extLst>
                     <a:ext uri="{9D8B030D-6E8A-4147-A177-3AD203B41FA5}">
                       <a16:colId xmlns:a16="http://schemas.microsoft.com/office/drawing/2014/main" val="4077858519"/>
                     </a:ext>
                   </a:extLst>
                 </a:gridCol>
-                <a:gridCol w="2733367">
+                <a:gridCol w="2930012">
                   <a:extLst>
                     <a:ext uri="{9D8B030D-6E8A-4147-A177-3AD203B41FA5}">
                       <a16:colId xmlns:a16="http://schemas.microsoft.com/office/drawing/2014/main" val="2580501446"/>
@@ -4101,43 +4101,70 @@
                     <a:lstStyle/>
                     <a:p>
                       <a:pPr algn="ctr" fontAlgn="b"/>
-                      <a:endParaRPr lang="en-GB" sz="1200" b="1" i="0" u="none" strike="noStrike" dirty="0">
-                        <a:solidFill>
-                          <a:srgbClr val="000000"/>
-                        </a:solidFill>
-                        <a:effectLst/>
-                        <a:latin typeface="Calibri" panose="020F0502020204030204" pitchFamily="34" charset="0"/>
-                      </a:endParaRPr>
-                    </a:p>
-                  </a:txBody>
-                  <a:tcPr marL="9525" marR="9525" marT="9525" marB="0" anchor="b"/>
-                </a:tc>
-                <a:tc>
-                  <a:txBody>
-                    <a:bodyPr/>
-                    <a:lstStyle/>
-                    <a:p>
-                      <a:pPr algn="ctr" fontAlgn="b"/>
+                      <a:r>
+                        <a:rPr lang="en-GB" sz="1200" b="1" i="0" u="none" strike="noStrike" dirty="0">
+                          <a:solidFill>
+                            <a:srgbClr val="C00000"/>
+                          </a:solidFill>
+                          <a:effectLst/>
+                          <a:latin typeface="Calibri" panose="020F0502020204030204" pitchFamily="34" charset="0"/>
+                        </a:rPr>
+                        <a:t>Final Optimization (Organization Names Included)</a:t>
+                      </a:r>
+                    </a:p>
+                  </a:txBody>
+                  <a:tcPr marL="9525" marR="9525" marT="9525" marB="0" anchor="b"/>
+                </a:tc>
+                <a:tc>
+                  <a:txBody>
+                    <a:bodyPr/>
+                    <a:lstStyle/>
+                    <a:p>
+                      <a:pPr algn="ctr" fontAlgn="b"/>
+                      <a:r>
+                        <a:rPr lang="en-GB" sz="1200" b="0" i="0" kern="1200" dirty="0">
+                          <a:solidFill>
+                            <a:srgbClr val="C00000"/>
+                          </a:solidFill>
+                          <a:effectLst/>
+                          <a:latin typeface="+mn-lt"/>
+                          <a:ea typeface="+mn-ea"/>
+                          <a:cs typeface="+mn-cs"/>
+                        </a:rPr>
+                        <a:t>0.469225376</a:t>
+                      </a:r>
                       <a:endParaRPr lang="en-GB" sz="1200" b="0" i="0" u="none" strike="noStrike" dirty="0">
                         <a:solidFill>
-                          <a:srgbClr val="000000"/>
-                        </a:solidFill>
-                        <a:effectLst/>
-                        <a:latin typeface="Calibri" panose="020F0502020204030204" pitchFamily="34" charset="0"/>
-                      </a:endParaRPr>
-                    </a:p>
-                  </a:txBody>
-                  <a:tcPr marL="9525" marR="9525" marT="9525" marB="0" anchor="b"/>
-                </a:tc>
-                <a:tc>
-                  <a:txBody>
-                    <a:bodyPr/>
-                    <a:lstStyle/>
-                    <a:p>
-                      <a:pPr algn="ctr" fontAlgn="b"/>
+                          <a:srgbClr val="C00000"/>
+                        </a:solidFill>
+                        <a:effectLst/>
+                        <a:latin typeface="Calibri" panose="020F0502020204030204" pitchFamily="34" charset="0"/>
+                      </a:endParaRPr>
+                    </a:p>
+                  </a:txBody>
+                  <a:tcPr marL="9525" marR="9525" marT="9525" marB="0" anchor="b"/>
+                </a:tc>
+                <a:tc>
+                  <a:txBody>
+                    <a:bodyPr/>
+                    <a:lstStyle/>
+                    <a:p>
+                      <a:pPr algn="ctr" fontAlgn="b"/>
+                      <a:r>
+                        <a:rPr lang="en-GB" sz="1200" b="0" i="0" kern="1200" dirty="0">
+                          <a:solidFill>
+                            <a:srgbClr val="C00000"/>
+                          </a:solidFill>
+                          <a:effectLst/>
+                          <a:latin typeface="+mn-lt"/>
+                          <a:ea typeface="+mn-ea"/>
+                          <a:cs typeface="+mn-cs"/>
+                        </a:rPr>
+                        <a:t>0.778309047</a:t>
+                      </a:r>
                       <a:endParaRPr lang="en-GB" sz="1200" b="0" i="0" u="none" strike="noStrike" dirty="0">
                         <a:solidFill>
-                          <a:srgbClr val="000000"/>
+                          <a:srgbClr val="C00000"/>
                         </a:solidFill>
                         <a:effectLst/>
                         <a:latin typeface="Calibri" panose="020F0502020204030204" pitchFamily="34" charset="0"/>

--- a/Images/table for accuracy score.pptx
+++ b/Images/table for accuracy score.pptx
@@ -3363,7 +3363,7 @@
           <p:nvPr>
             <p:extLst>
               <p:ext uri="{D42A27DB-BD31-4B8C-83A1-F6EECF244321}">
-                <p14:modId xmlns:p14="http://schemas.microsoft.com/office/powerpoint/2010/main" val="1387473191"/>
+                <p14:modId xmlns:p14="http://schemas.microsoft.com/office/powerpoint/2010/main" val="4103684087"/>
               </p:ext>
             </p:extLst>
           </p:nvPr>

--- a/Images/table for accuracy score.pptx
+++ b/Images/table for accuracy score.pptx
@@ -6,7 +6,6 @@
   </p:sldMasterIdLst>
   <p:sldIdLst>
     <p:sldId id="256" r:id="rId2"/>
-    <p:sldId id="257" r:id="rId3"/>
   </p:sldIdLst>
   <p:sldSz cx="12192000" cy="6858000"/>
   <p:notesSz cx="6858000" cy="9144000"/>
@@ -4196,1125 +4195,6 @@
 </p:sld>
 </file>
 
-<file path=ppt/slides/slide2.xml><?xml version="1.0" encoding="utf-8"?>
-<p:sld xmlns:a="http://schemas.openxmlformats.org/drawingml/2006/main" xmlns:r="http://schemas.openxmlformats.org/officeDocument/2006/relationships" xmlns:p="http://schemas.openxmlformats.org/presentationml/2006/main">
-  <p:cSld>
-    <p:spTree>
-      <p:nvGrpSpPr>
-        <p:cNvPr id="1" name=""/>
-        <p:cNvGrpSpPr/>
-        <p:nvPr/>
-      </p:nvGrpSpPr>
-      <p:grpSpPr>
-        <a:xfrm>
-          <a:off x="0" y="0"/>
-          <a:ext cx="0" cy="0"/>
-          <a:chOff x="0" y="0"/>
-          <a:chExt cx="0" cy="0"/>
-        </a:xfrm>
-      </p:grpSpPr>
-      <p:graphicFrame>
-        <p:nvGraphicFramePr>
-          <p:cNvPr id="4" name="Table 3">
-            <a:extLst>
-              <a:ext uri="{FF2B5EF4-FFF2-40B4-BE49-F238E27FC236}">
-                <a16:creationId xmlns:a16="http://schemas.microsoft.com/office/drawing/2014/main" id="{EAC48E14-6B38-6E80-40A1-501C8436309C}"/>
-              </a:ext>
-            </a:extLst>
-          </p:cNvPr>
-          <p:cNvGraphicFramePr>
-            <a:graphicFrameLocks noGrp="1"/>
-          </p:cNvGraphicFramePr>
-          <p:nvPr>
-            <p:extLst>
-              <p:ext uri="{D42A27DB-BD31-4B8C-83A1-F6EECF244321}">
-                <p14:modId xmlns:p14="http://schemas.microsoft.com/office/powerpoint/2010/main" val="1206953228"/>
-              </p:ext>
-            </p:extLst>
-          </p:nvPr>
-        </p:nvGraphicFramePr>
-        <p:xfrm>
-          <a:off x="1426771" y="267608"/>
-          <a:ext cx="7924800" cy="6103699"/>
-        </p:xfrm>
-        <a:graphic>
-          <a:graphicData uri="http://schemas.openxmlformats.org/drawingml/2006/table">
-            <a:tbl>
-              <a:tblPr>
-                <a:tableStyleId>{5C22544A-7EE6-4342-B048-85BDC9FD1C3A}</a:tableStyleId>
-              </a:tblPr>
-              <a:tblGrid>
-                <a:gridCol w="4300897">
-                  <a:extLst>
-                    <a:ext uri="{9D8B030D-6E8A-4147-A177-3AD203B41FA5}">
-                      <a16:colId xmlns:a16="http://schemas.microsoft.com/office/drawing/2014/main" val="1069618825"/>
-                    </a:ext>
-                  </a:extLst>
-                </a:gridCol>
-                <a:gridCol w="1661192">
-                  <a:extLst>
-                    <a:ext uri="{9D8B030D-6E8A-4147-A177-3AD203B41FA5}">
-                      <a16:colId xmlns:a16="http://schemas.microsoft.com/office/drawing/2014/main" val="4240182858"/>
-                    </a:ext>
-                  </a:extLst>
-                </a:gridCol>
-                <a:gridCol w="1962711">
-                  <a:extLst>
-                    <a:ext uri="{9D8B030D-6E8A-4147-A177-3AD203B41FA5}">
-                      <a16:colId xmlns:a16="http://schemas.microsoft.com/office/drawing/2014/main" val="2195718925"/>
-                    </a:ext>
-                  </a:extLst>
-                </a:gridCol>
-              </a:tblGrid>
-              <a:tr h="423823">
-                <a:tc>
-                  <a:txBody>
-                    <a:bodyPr/>
-                    <a:lstStyle/>
-                    <a:p>
-                      <a:pPr algn="ctr" fontAlgn="b"/>
-                      <a:r>
-                        <a:rPr lang="en-GB" sz="1200" b="1" u="none" strike="noStrike" dirty="0">
-                          <a:effectLst/>
-                        </a:rPr>
-                        <a:t>Model Improvement Steps</a:t>
-                      </a:r>
-                      <a:endParaRPr lang="en-GB" sz="1200" b="1" i="0" u="none" strike="noStrike" dirty="0">
-                        <a:solidFill>
-                          <a:srgbClr val="000000"/>
-                        </a:solidFill>
-                        <a:effectLst/>
-                        <a:latin typeface="Calibri" panose="020F0502020204030204" pitchFamily="34" charset="0"/>
-                      </a:endParaRPr>
-                    </a:p>
-                  </a:txBody>
-                  <a:tcPr marL="9525" marR="9525" marT="9525" marB="0" anchor="b"/>
-                </a:tc>
-                <a:tc>
-                  <a:txBody>
-                    <a:bodyPr/>
-                    <a:lstStyle/>
-                    <a:p>
-                      <a:pPr algn="ctr" fontAlgn="b"/>
-                      <a:r>
-                        <a:rPr lang="en-GB" sz="1200" b="1" u="none" strike="noStrike" dirty="0" err="1">
-                          <a:effectLst/>
-                        </a:rPr>
-                        <a:t>model_loss</a:t>
-                      </a:r>
-                      <a:endParaRPr lang="en-GB" sz="1200" b="1" i="0" u="none" strike="noStrike" dirty="0">
-                        <a:solidFill>
-                          <a:srgbClr val="000000"/>
-                        </a:solidFill>
-                        <a:effectLst/>
-                        <a:latin typeface="Calibri" panose="020F0502020204030204" pitchFamily="34" charset="0"/>
-                      </a:endParaRPr>
-                    </a:p>
-                  </a:txBody>
-                  <a:tcPr marL="9525" marR="9525" marT="9525" marB="0" anchor="b"/>
-                </a:tc>
-                <a:tc>
-                  <a:txBody>
-                    <a:bodyPr/>
-                    <a:lstStyle/>
-                    <a:p>
-                      <a:pPr algn="ctr" fontAlgn="b"/>
-                      <a:r>
-                        <a:rPr lang="en-GB" sz="1200" b="1" u="none" strike="noStrike" dirty="0" err="1">
-                          <a:effectLst/>
-                        </a:rPr>
-                        <a:t>model_accuracy</a:t>
-                      </a:r>
-                      <a:endParaRPr lang="en-GB" sz="1200" b="1" i="0" u="none" strike="noStrike" dirty="0">
-                        <a:solidFill>
-                          <a:srgbClr val="000000"/>
-                        </a:solidFill>
-                        <a:effectLst/>
-                        <a:latin typeface="Calibri" panose="020F0502020204030204" pitchFamily="34" charset="0"/>
-                      </a:endParaRPr>
-                    </a:p>
-                  </a:txBody>
-                  <a:tcPr marL="9525" marR="9525" marT="9525" marB="0" anchor="b"/>
-                </a:tc>
-                <a:extLst>
-                  <a:ext uri="{0D108BD9-81ED-4DB2-BD59-A6C34878D82A}">
-                    <a16:rowId xmlns:a16="http://schemas.microsoft.com/office/drawing/2014/main" val="1195335306"/>
-                  </a:ext>
-                </a:extLst>
-              </a:tr>
-              <a:tr h="423823">
-                <a:tc>
-                  <a:txBody>
-                    <a:bodyPr/>
-                    <a:lstStyle/>
-                    <a:p>
-                      <a:pPr algn="ctr" fontAlgn="b"/>
-                      <a:endParaRPr lang="en-GB" sz="1200" b="0" i="0" u="none" strike="noStrike" dirty="0">
-                        <a:solidFill>
-                          <a:srgbClr val="000000"/>
-                        </a:solidFill>
-                        <a:effectLst/>
-                        <a:latin typeface="Calibri" panose="020F0502020204030204" pitchFamily="34" charset="0"/>
-                      </a:endParaRPr>
-                    </a:p>
-                  </a:txBody>
-                  <a:tcPr marL="9525" marR="9525" marT="9525" marB="0" anchor="b"/>
-                </a:tc>
-                <a:tc>
-                  <a:txBody>
-                    <a:bodyPr/>
-                    <a:lstStyle/>
-                    <a:p>
-                      <a:pPr algn="ctr" fontAlgn="b"/>
-                      <a:endParaRPr lang="en-GB" sz="1200" b="0" i="0" u="none" strike="noStrike" dirty="0">
-                        <a:solidFill>
-                          <a:srgbClr val="000000"/>
-                        </a:solidFill>
-                        <a:effectLst/>
-                        <a:latin typeface="Calibri" panose="020F0502020204030204" pitchFamily="34" charset="0"/>
-                      </a:endParaRPr>
-                    </a:p>
-                  </a:txBody>
-                  <a:tcPr marL="9525" marR="9525" marT="9525" marB="0" anchor="b"/>
-                </a:tc>
-                <a:tc>
-                  <a:txBody>
-                    <a:bodyPr/>
-                    <a:lstStyle/>
-                    <a:p>
-                      <a:pPr algn="ctr" fontAlgn="b"/>
-                      <a:endParaRPr lang="en-GB" sz="1200" b="0" i="0" u="none" strike="noStrike" dirty="0">
-                        <a:solidFill>
-                          <a:srgbClr val="000000"/>
-                        </a:solidFill>
-                        <a:effectLst/>
-                        <a:latin typeface="Calibri" panose="020F0502020204030204" pitchFamily="34" charset="0"/>
-                      </a:endParaRPr>
-                    </a:p>
-                  </a:txBody>
-                  <a:tcPr marL="9525" marR="9525" marT="9525" marB="0" anchor="b"/>
-                </a:tc>
-                <a:extLst>
-                  <a:ext uri="{0D108BD9-81ED-4DB2-BD59-A6C34878D82A}">
-                    <a16:rowId xmlns:a16="http://schemas.microsoft.com/office/drawing/2014/main" val="4048160467"/>
-                  </a:ext>
-                </a:extLst>
-              </a:tr>
-              <a:tr h="423823">
-                <a:tc>
-                  <a:txBody>
-                    <a:bodyPr/>
-                    <a:lstStyle/>
-                    <a:p>
-                      <a:pPr algn="ctr" fontAlgn="b"/>
-                      <a:r>
-                        <a:rPr lang="en-GB" sz="1200" u="none" strike="noStrike" dirty="0" err="1">
-                          <a:effectLst/>
-                        </a:rPr>
-                        <a:t>First_model</a:t>
-                      </a:r>
-                      <a:endParaRPr lang="en-GB" sz="1200" b="0" i="0" u="none" strike="noStrike" dirty="0">
-                        <a:solidFill>
-                          <a:srgbClr val="000000"/>
-                        </a:solidFill>
-                        <a:effectLst/>
-                        <a:latin typeface="Calibri" panose="020F0502020204030204" pitchFamily="34" charset="0"/>
-                      </a:endParaRPr>
-                    </a:p>
-                  </a:txBody>
-                  <a:tcPr marL="9525" marR="9525" marT="9525" marB="0" anchor="b"/>
-                </a:tc>
-                <a:tc>
-                  <a:txBody>
-                    <a:bodyPr/>
-                    <a:lstStyle/>
-                    <a:p>
-                      <a:pPr algn="ctr" fontAlgn="b"/>
-                      <a:r>
-                        <a:rPr lang="en-GB" sz="1200" u="none" strike="noStrike" dirty="0">
-                          <a:effectLst/>
-                        </a:rPr>
-                        <a:t>0.560304523</a:t>
-                      </a:r>
-                      <a:endParaRPr lang="en-GB" sz="1200" b="0" i="0" u="none" strike="noStrike" dirty="0">
-                        <a:solidFill>
-                          <a:srgbClr val="000000"/>
-                        </a:solidFill>
-                        <a:effectLst/>
-                        <a:latin typeface="Calibri" panose="020F0502020204030204" pitchFamily="34" charset="0"/>
-                      </a:endParaRPr>
-                    </a:p>
-                  </a:txBody>
-                  <a:tcPr marL="9525" marR="9525" marT="9525" marB="0" anchor="b"/>
-                </a:tc>
-                <a:tc>
-                  <a:txBody>
-                    <a:bodyPr/>
-                    <a:lstStyle/>
-                    <a:p>
-                      <a:pPr algn="ctr" fontAlgn="b"/>
-                      <a:r>
-                        <a:rPr lang="en-GB" sz="1200" u="none" strike="noStrike" dirty="0">
-                          <a:effectLst/>
-                        </a:rPr>
-                        <a:t>0.72723031</a:t>
-                      </a:r>
-                      <a:endParaRPr lang="en-GB" sz="1200" b="0" i="0" u="none" strike="noStrike" dirty="0">
-                        <a:solidFill>
-                          <a:srgbClr val="000000"/>
-                        </a:solidFill>
-                        <a:effectLst/>
-                        <a:latin typeface="Calibri" panose="020F0502020204030204" pitchFamily="34" charset="0"/>
-                      </a:endParaRPr>
-                    </a:p>
-                  </a:txBody>
-                  <a:tcPr marL="9525" marR="9525" marT="9525" marB="0" anchor="b"/>
-                </a:tc>
-                <a:extLst>
-                  <a:ext uri="{0D108BD9-81ED-4DB2-BD59-A6C34878D82A}">
-                    <a16:rowId xmlns:a16="http://schemas.microsoft.com/office/drawing/2014/main" val="1442570852"/>
-                  </a:ext>
-                </a:extLst>
-              </a:tr>
-              <a:tr h="423823">
-                <a:tc>
-                  <a:txBody>
-                    <a:bodyPr/>
-                    <a:lstStyle/>
-                    <a:p>
-                      <a:pPr algn="ctr" fontAlgn="b"/>
-                      <a:endParaRPr lang="en-GB" sz="1200" b="0" i="0" u="none" strike="noStrike" dirty="0">
-                        <a:solidFill>
-                          <a:srgbClr val="000000"/>
-                        </a:solidFill>
-                        <a:effectLst/>
-                        <a:latin typeface="Calibri" panose="020F0502020204030204" pitchFamily="34" charset="0"/>
-                      </a:endParaRPr>
-                    </a:p>
-                  </a:txBody>
-                  <a:tcPr marL="9525" marR="9525" marT="9525" marB="0" anchor="b"/>
-                </a:tc>
-                <a:tc>
-                  <a:txBody>
-                    <a:bodyPr/>
-                    <a:lstStyle/>
-                    <a:p>
-                      <a:pPr algn="ctr" fontAlgn="b"/>
-                      <a:endParaRPr lang="en-GB" sz="1200" b="0" i="0" u="none" strike="noStrike">
-                        <a:solidFill>
-                          <a:srgbClr val="000000"/>
-                        </a:solidFill>
-                        <a:effectLst/>
-                        <a:latin typeface="Calibri" panose="020F0502020204030204" pitchFamily="34" charset="0"/>
-                      </a:endParaRPr>
-                    </a:p>
-                  </a:txBody>
-                  <a:tcPr marL="9525" marR="9525" marT="9525" marB="0" anchor="b"/>
-                </a:tc>
-                <a:tc>
-                  <a:txBody>
-                    <a:bodyPr/>
-                    <a:lstStyle/>
-                    <a:p>
-                      <a:pPr algn="ctr" fontAlgn="b"/>
-                      <a:endParaRPr lang="en-GB" sz="1200" b="0" i="0" u="none" strike="noStrike" dirty="0">
-                        <a:solidFill>
-                          <a:srgbClr val="000000"/>
-                        </a:solidFill>
-                        <a:effectLst/>
-                        <a:latin typeface="Calibri" panose="020F0502020204030204" pitchFamily="34" charset="0"/>
-                      </a:endParaRPr>
-                    </a:p>
-                  </a:txBody>
-                  <a:tcPr marL="9525" marR="9525" marT="9525" marB="0" anchor="b"/>
-                </a:tc>
-                <a:extLst>
-                  <a:ext uri="{0D108BD9-81ED-4DB2-BD59-A6C34878D82A}">
-                    <a16:rowId xmlns:a16="http://schemas.microsoft.com/office/drawing/2014/main" val="2415153728"/>
-                  </a:ext>
-                </a:extLst>
-              </a:tr>
-              <a:tr h="423823">
-                <a:tc>
-                  <a:txBody>
-                    <a:bodyPr/>
-                    <a:lstStyle/>
-                    <a:p>
-                      <a:pPr algn="ctr" fontAlgn="b"/>
-                      <a:r>
-                        <a:rPr lang="en-GB" sz="1200" u="none" strike="noStrike" dirty="0">
-                          <a:effectLst/>
-                        </a:rPr>
-                        <a:t>Features Reduced</a:t>
-                      </a:r>
-                      <a:endParaRPr lang="en-GB" sz="1200" b="0" i="0" u="none" strike="noStrike" dirty="0">
-                        <a:solidFill>
-                          <a:srgbClr val="000000"/>
-                        </a:solidFill>
-                        <a:effectLst/>
-                        <a:latin typeface="Calibri" panose="020F0502020204030204" pitchFamily="34" charset="0"/>
-                      </a:endParaRPr>
-                    </a:p>
-                  </a:txBody>
-                  <a:tcPr marL="9525" marR="9525" marT="9525" marB="0" anchor="b"/>
-                </a:tc>
-                <a:tc>
-                  <a:txBody>
-                    <a:bodyPr/>
-                    <a:lstStyle/>
-                    <a:p>
-                      <a:pPr algn="ctr" fontAlgn="b"/>
-                      <a:r>
-                        <a:rPr lang="en-GB" sz="1200" u="none" strike="noStrike" dirty="0">
-                          <a:effectLst/>
-                        </a:rPr>
-                        <a:t>0.574125707</a:t>
-                      </a:r>
-                      <a:endParaRPr lang="en-GB" sz="1200" b="0" i="0" u="none" strike="noStrike" dirty="0">
-                        <a:solidFill>
-                          <a:srgbClr val="000000"/>
-                        </a:solidFill>
-                        <a:effectLst/>
-                        <a:latin typeface="Calibri" panose="020F0502020204030204" pitchFamily="34" charset="0"/>
-                      </a:endParaRPr>
-                    </a:p>
-                  </a:txBody>
-                  <a:tcPr marL="9525" marR="9525" marT="9525" marB="0" anchor="b"/>
-                </a:tc>
-                <a:tc>
-                  <a:txBody>
-                    <a:bodyPr/>
-                    <a:lstStyle/>
-                    <a:p>
-                      <a:pPr algn="ctr" fontAlgn="b"/>
-                      <a:r>
-                        <a:rPr lang="en-GB" sz="1200" u="none" strike="noStrike" dirty="0">
-                          <a:effectLst/>
-                        </a:rPr>
-                        <a:t>0.722099125</a:t>
-                      </a:r>
-                      <a:endParaRPr lang="en-GB" sz="1200" b="0" i="0" u="none" strike="noStrike" dirty="0">
-                        <a:solidFill>
-                          <a:srgbClr val="000000"/>
-                        </a:solidFill>
-                        <a:effectLst/>
-                        <a:latin typeface="Calibri" panose="020F0502020204030204" pitchFamily="34" charset="0"/>
-                      </a:endParaRPr>
-                    </a:p>
-                  </a:txBody>
-                  <a:tcPr marL="9525" marR="9525" marT="9525" marB="0" anchor="b"/>
-                </a:tc>
-                <a:extLst>
-                  <a:ext uri="{0D108BD9-81ED-4DB2-BD59-A6C34878D82A}">
-                    <a16:rowId xmlns:a16="http://schemas.microsoft.com/office/drawing/2014/main" val="3121508959"/>
-                  </a:ext>
-                </a:extLst>
-              </a:tr>
-              <a:tr h="423823">
-                <a:tc>
-                  <a:txBody>
-                    <a:bodyPr/>
-                    <a:lstStyle/>
-                    <a:p>
-                      <a:pPr algn="ctr" fontAlgn="b"/>
-                      <a:endParaRPr lang="en-GB" sz="1200" b="0" i="0" u="none" strike="noStrike">
-                        <a:solidFill>
-                          <a:srgbClr val="000000"/>
-                        </a:solidFill>
-                        <a:effectLst/>
-                        <a:latin typeface="Calibri" panose="020F0502020204030204" pitchFamily="34" charset="0"/>
-                      </a:endParaRPr>
-                    </a:p>
-                  </a:txBody>
-                  <a:tcPr marL="9525" marR="9525" marT="9525" marB="0" anchor="b"/>
-                </a:tc>
-                <a:tc>
-                  <a:txBody>
-                    <a:bodyPr/>
-                    <a:lstStyle/>
-                    <a:p>
-                      <a:pPr algn="ctr" fontAlgn="b"/>
-                      <a:endParaRPr lang="en-GB" sz="1200" b="0" i="0" u="none" strike="noStrike">
-                        <a:solidFill>
-                          <a:srgbClr val="000000"/>
-                        </a:solidFill>
-                        <a:effectLst/>
-                        <a:latin typeface="Calibri" panose="020F0502020204030204" pitchFamily="34" charset="0"/>
-                      </a:endParaRPr>
-                    </a:p>
-                  </a:txBody>
-                  <a:tcPr marL="9525" marR="9525" marT="9525" marB="0" anchor="b"/>
-                </a:tc>
-                <a:tc>
-                  <a:txBody>
-                    <a:bodyPr/>
-                    <a:lstStyle/>
-                    <a:p>
-                      <a:pPr algn="ctr" fontAlgn="b"/>
-                      <a:endParaRPr lang="en-GB" sz="1200" b="0" i="0" u="none" strike="noStrike" dirty="0">
-                        <a:solidFill>
-                          <a:srgbClr val="000000"/>
-                        </a:solidFill>
-                        <a:effectLst/>
-                        <a:latin typeface="Calibri" panose="020F0502020204030204" pitchFamily="34" charset="0"/>
-                      </a:endParaRPr>
-                    </a:p>
-                  </a:txBody>
-                  <a:tcPr marL="9525" marR="9525" marT="9525" marB="0" anchor="b"/>
-                </a:tc>
-                <a:extLst>
-                  <a:ext uri="{0D108BD9-81ED-4DB2-BD59-A6C34878D82A}">
-                    <a16:rowId xmlns:a16="http://schemas.microsoft.com/office/drawing/2014/main" val="110313999"/>
-                  </a:ext>
-                </a:extLst>
-              </a:tr>
-              <a:tr h="423823">
-                <a:tc>
-                  <a:txBody>
-                    <a:bodyPr/>
-                    <a:lstStyle/>
-                    <a:p>
-                      <a:pPr algn="ctr" fontAlgn="b"/>
-                      <a:r>
-                        <a:rPr lang="en-GB" sz="1200" u="none" strike="noStrike" dirty="0">
-                          <a:effectLst/>
-                        </a:rPr>
-                        <a:t>Activation Function</a:t>
-                      </a:r>
-                      <a:endParaRPr lang="en-GB" sz="1200" b="0" i="0" u="none" strike="noStrike" dirty="0">
-                        <a:solidFill>
-                          <a:srgbClr val="000000"/>
-                        </a:solidFill>
-                        <a:effectLst/>
-                        <a:latin typeface="Calibri" panose="020F0502020204030204" pitchFamily="34" charset="0"/>
-                      </a:endParaRPr>
-                    </a:p>
-                  </a:txBody>
-                  <a:tcPr marL="9525" marR="9525" marT="9525" marB="0" anchor="b"/>
-                </a:tc>
-                <a:tc>
-                  <a:txBody>
-                    <a:bodyPr/>
-                    <a:lstStyle/>
-                    <a:p>
-                      <a:pPr algn="ctr" fontAlgn="b"/>
-                      <a:r>
-                        <a:rPr lang="en-GB" sz="1200" u="none" strike="noStrike" dirty="0">
-                          <a:effectLst/>
-                        </a:rPr>
-                        <a:t>0.573746562</a:t>
-                      </a:r>
-                      <a:endParaRPr lang="en-GB" sz="1200" b="0" i="0" u="none" strike="noStrike" dirty="0">
-                        <a:solidFill>
-                          <a:srgbClr val="000000"/>
-                        </a:solidFill>
-                        <a:effectLst/>
-                        <a:latin typeface="Calibri" panose="020F0502020204030204" pitchFamily="34" charset="0"/>
-                      </a:endParaRPr>
-                    </a:p>
-                  </a:txBody>
-                  <a:tcPr marL="9525" marR="9525" marT="9525" marB="0" anchor="b"/>
-                </a:tc>
-                <a:tc>
-                  <a:txBody>
-                    <a:bodyPr/>
-                    <a:lstStyle/>
-                    <a:p>
-                      <a:pPr algn="ctr" fontAlgn="b"/>
-                      <a:r>
-                        <a:rPr lang="en-GB" sz="1200" u="none" strike="noStrike" dirty="0">
-                          <a:effectLst/>
-                        </a:rPr>
-                        <a:t>0.719679296</a:t>
-                      </a:r>
-                      <a:endParaRPr lang="en-GB" sz="1200" b="0" i="0" u="none" strike="noStrike" dirty="0">
-                        <a:solidFill>
-                          <a:srgbClr val="000000"/>
-                        </a:solidFill>
-                        <a:effectLst/>
-                        <a:latin typeface="Calibri" panose="020F0502020204030204" pitchFamily="34" charset="0"/>
-                      </a:endParaRPr>
-                    </a:p>
-                  </a:txBody>
-                  <a:tcPr marL="9525" marR="9525" marT="9525" marB="0" anchor="b"/>
-                </a:tc>
-                <a:extLst>
-                  <a:ext uri="{0D108BD9-81ED-4DB2-BD59-A6C34878D82A}">
-                    <a16:rowId xmlns:a16="http://schemas.microsoft.com/office/drawing/2014/main" val="3074023323"/>
-                  </a:ext>
-                </a:extLst>
-              </a:tr>
-              <a:tr h="423823">
-                <a:tc>
-                  <a:txBody>
-                    <a:bodyPr/>
-                    <a:lstStyle/>
-                    <a:p>
-                      <a:pPr algn="ctr" fontAlgn="b"/>
-                      <a:endParaRPr lang="en-GB" sz="1200" b="0" i="0" u="none" strike="noStrike">
-                        <a:solidFill>
-                          <a:srgbClr val="000000"/>
-                        </a:solidFill>
-                        <a:effectLst/>
-                        <a:latin typeface="Calibri" panose="020F0502020204030204" pitchFamily="34" charset="0"/>
-                      </a:endParaRPr>
-                    </a:p>
-                  </a:txBody>
-                  <a:tcPr marL="9525" marR="9525" marT="9525" marB="0" anchor="b"/>
-                </a:tc>
-                <a:tc>
-                  <a:txBody>
-                    <a:bodyPr/>
-                    <a:lstStyle/>
-                    <a:p>
-                      <a:pPr algn="ctr" fontAlgn="b"/>
-                      <a:endParaRPr lang="en-GB" sz="1200" b="0" i="0" u="none" strike="noStrike" dirty="0">
-                        <a:solidFill>
-                          <a:srgbClr val="000000"/>
-                        </a:solidFill>
-                        <a:effectLst/>
-                        <a:latin typeface="Calibri" panose="020F0502020204030204" pitchFamily="34" charset="0"/>
-                      </a:endParaRPr>
-                    </a:p>
-                  </a:txBody>
-                  <a:tcPr marL="9525" marR="9525" marT="9525" marB="0" anchor="b"/>
-                </a:tc>
-                <a:tc>
-                  <a:txBody>
-                    <a:bodyPr/>
-                    <a:lstStyle/>
-                    <a:p>
-                      <a:pPr algn="ctr" fontAlgn="b"/>
-                      <a:endParaRPr lang="en-GB" sz="1200" b="0" i="0" u="none" strike="noStrike">
-                        <a:solidFill>
-                          <a:srgbClr val="000000"/>
-                        </a:solidFill>
-                        <a:effectLst/>
-                        <a:latin typeface="Calibri" panose="020F0502020204030204" pitchFamily="34" charset="0"/>
-                      </a:endParaRPr>
-                    </a:p>
-                  </a:txBody>
-                  <a:tcPr marL="9525" marR="9525" marT="9525" marB="0" anchor="b"/>
-                </a:tc>
-                <a:extLst>
-                  <a:ext uri="{0D108BD9-81ED-4DB2-BD59-A6C34878D82A}">
-                    <a16:rowId xmlns:a16="http://schemas.microsoft.com/office/drawing/2014/main" val="2626504472"/>
-                  </a:ext>
-                </a:extLst>
-              </a:tr>
-              <a:tr h="423823">
-                <a:tc>
-                  <a:txBody>
-                    <a:bodyPr/>
-                    <a:lstStyle/>
-                    <a:p>
-                      <a:pPr algn="ctr" fontAlgn="b"/>
-                      <a:r>
-                        <a:rPr lang="en-GB" sz="1200" u="none" strike="noStrike" dirty="0">
-                          <a:effectLst/>
-                        </a:rPr>
-                        <a:t>Increased </a:t>
-                      </a:r>
-                      <a:r>
-                        <a:rPr lang="en-GB" sz="1200" u="none" strike="noStrike" dirty="0" err="1">
-                          <a:effectLst/>
-                        </a:rPr>
-                        <a:t>Hidden_layers</a:t>
-                      </a:r>
-                      <a:endParaRPr lang="en-GB" sz="1200" b="0" i="0" u="none" strike="noStrike" dirty="0">
-                        <a:solidFill>
-                          <a:srgbClr val="000000"/>
-                        </a:solidFill>
-                        <a:effectLst/>
-                        <a:latin typeface="Calibri" panose="020F0502020204030204" pitchFamily="34" charset="0"/>
-                      </a:endParaRPr>
-                    </a:p>
-                  </a:txBody>
-                  <a:tcPr marL="9525" marR="9525" marT="9525" marB="0" anchor="b"/>
-                </a:tc>
-                <a:tc>
-                  <a:txBody>
-                    <a:bodyPr/>
-                    <a:lstStyle/>
-                    <a:p>
-                      <a:pPr algn="ctr" fontAlgn="b"/>
-                      <a:r>
-                        <a:rPr lang="en-GB" sz="1200" u="none" strike="noStrike" dirty="0">
-                          <a:effectLst/>
-                        </a:rPr>
-                        <a:t>0.573750436</a:t>
-                      </a:r>
-                      <a:endParaRPr lang="en-GB" sz="1200" b="0" i="0" u="none" strike="noStrike" dirty="0">
-                        <a:solidFill>
-                          <a:srgbClr val="000000"/>
-                        </a:solidFill>
-                        <a:effectLst/>
-                        <a:latin typeface="Calibri" panose="020F0502020204030204" pitchFamily="34" charset="0"/>
-                      </a:endParaRPr>
-                    </a:p>
-                  </a:txBody>
-                  <a:tcPr marL="9525" marR="9525" marT="9525" marB="0" anchor="b"/>
-                </a:tc>
-                <a:tc>
-                  <a:txBody>
-                    <a:bodyPr/>
-                    <a:lstStyle/>
-                    <a:p>
-                      <a:pPr algn="ctr" fontAlgn="b"/>
-                      <a:r>
-                        <a:rPr lang="en-GB" sz="1200" u="none" strike="noStrike" dirty="0">
-                          <a:effectLst/>
-                        </a:rPr>
-                        <a:t>0.722332358</a:t>
-                      </a:r>
-                      <a:endParaRPr lang="en-GB" sz="1200" b="0" i="0" u="none" strike="noStrike" dirty="0">
-                        <a:solidFill>
-                          <a:srgbClr val="000000"/>
-                        </a:solidFill>
-                        <a:effectLst/>
-                        <a:latin typeface="Calibri" panose="020F0502020204030204" pitchFamily="34" charset="0"/>
-                      </a:endParaRPr>
-                    </a:p>
-                  </a:txBody>
-                  <a:tcPr marL="9525" marR="9525" marT="9525" marB="0" anchor="b"/>
-                </a:tc>
-                <a:extLst>
-                  <a:ext uri="{0D108BD9-81ED-4DB2-BD59-A6C34878D82A}">
-                    <a16:rowId xmlns:a16="http://schemas.microsoft.com/office/drawing/2014/main" val="2302166982"/>
-                  </a:ext>
-                </a:extLst>
-              </a:tr>
-              <a:tr h="423823">
-                <a:tc>
-                  <a:txBody>
-                    <a:bodyPr/>
-                    <a:lstStyle/>
-                    <a:p>
-                      <a:pPr algn="ctr" fontAlgn="b"/>
-                      <a:endParaRPr lang="en-GB" sz="1200" b="0" i="0" u="none" strike="noStrike">
-                        <a:solidFill>
-                          <a:srgbClr val="000000"/>
-                        </a:solidFill>
-                        <a:effectLst/>
-                        <a:latin typeface="Calibri" panose="020F0502020204030204" pitchFamily="34" charset="0"/>
-                      </a:endParaRPr>
-                    </a:p>
-                  </a:txBody>
-                  <a:tcPr marL="9525" marR="9525" marT="9525" marB="0" anchor="b"/>
-                </a:tc>
-                <a:tc>
-                  <a:txBody>
-                    <a:bodyPr/>
-                    <a:lstStyle/>
-                    <a:p>
-                      <a:pPr algn="ctr" fontAlgn="b"/>
-                      <a:endParaRPr lang="en-GB" sz="1200" b="0" i="0" u="none" strike="noStrike" dirty="0">
-                        <a:solidFill>
-                          <a:srgbClr val="000000"/>
-                        </a:solidFill>
-                        <a:effectLst/>
-                        <a:latin typeface="Calibri" panose="020F0502020204030204" pitchFamily="34" charset="0"/>
-                      </a:endParaRPr>
-                    </a:p>
-                  </a:txBody>
-                  <a:tcPr marL="9525" marR="9525" marT="9525" marB="0" anchor="b"/>
-                </a:tc>
-                <a:tc>
-                  <a:txBody>
-                    <a:bodyPr/>
-                    <a:lstStyle/>
-                    <a:p>
-                      <a:pPr algn="ctr" fontAlgn="b"/>
-                      <a:endParaRPr lang="en-GB" sz="1200" b="0" i="0" u="none" strike="noStrike">
-                        <a:solidFill>
-                          <a:srgbClr val="000000"/>
-                        </a:solidFill>
-                        <a:effectLst/>
-                        <a:latin typeface="Calibri" panose="020F0502020204030204" pitchFamily="34" charset="0"/>
-                      </a:endParaRPr>
-                    </a:p>
-                  </a:txBody>
-                  <a:tcPr marL="9525" marR="9525" marT="9525" marB="0" anchor="b"/>
-                </a:tc>
-                <a:extLst>
-                  <a:ext uri="{0D108BD9-81ED-4DB2-BD59-A6C34878D82A}">
-                    <a16:rowId xmlns:a16="http://schemas.microsoft.com/office/drawing/2014/main" val="1151760527"/>
-                  </a:ext>
-                </a:extLst>
-              </a:tr>
-              <a:tr h="423823">
-                <a:tc>
-                  <a:txBody>
-                    <a:bodyPr/>
-                    <a:lstStyle/>
-                    <a:p>
-                      <a:pPr algn="ctr" fontAlgn="b"/>
-                      <a:r>
-                        <a:rPr lang="en-GB" sz="1200" u="none" strike="noStrike" dirty="0">
-                          <a:effectLst/>
-                        </a:rPr>
-                        <a:t>Dropout </a:t>
-                      </a:r>
-                      <a:r>
-                        <a:rPr lang="en-GB" sz="1200" u="none" strike="noStrike" dirty="0" err="1">
-                          <a:effectLst/>
-                        </a:rPr>
-                        <a:t>Regularizarion</a:t>
-                      </a:r>
-                      <a:endParaRPr lang="en-GB" sz="1200" b="0" i="0" u="none" strike="noStrike" dirty="0">
-                        <a:solidFill>
-                          <a:srgbClr val="000000"/>
-                        </a:solidFill>
-                        <a:effectLst/>
-                        <a:latin typeface="Calibri" panose="020F0502020204030204" pitchFamily="34" charset="0"/>
-                      </a:endParaRPr>
-                    </a:p>
-                  </a:txBody>
-                  <a:tcPr marL="9525" marR="9525" marT="9525" marB="0" anchor="b"/>
-                </a:tc>
-                <a:tc>
-                  <a:txBody>
-                    <a:bodyPr/>
-                    <a:lstStyle/>
-                    <a:p>
-                      <a:pPr algn="ctr" fontAlgn="b"/>
-                      <a:r>
-                        <a:rPr lang="en-GB" sz="1200" u="none" strike="noStrike" dirty="0">
-                          <a:effectLst/>
-                        </a:rPr>
-                        <a:t>0.576659501</a:t>
-                      </a:r>
-                      <a:endParaRPr lang="en-GB" sz="1200" b="0" i="0" u="none" strike="noStrike" dirty="0">
-                        <a:solidFill>
-                          <a:srgbClr val="000000"/>
-                        </a:solidFill>
-                        <a:effectLst/>
-                        <a:latin typeface="Calibri" panose="020F0502020204030204" pitchFamily="34" charset="0"/>
-                      </a:endParaRPr>
-                    </a:p>
-                  </a:txBody>
-                  <a:tcPr marL="9525" marR="9525" marT="9525" marB="0" anchor="b"/>
-                </a:tc>
-                <a:tc>
-                  <a:txBody>
-                    <a:bodyPr/>
-                    <a:lstStyle/>
-                    <a:p>
-                      <a:pPr algn="ctr" fontAlgn="b"/>
-                      <a:r>
-                        <a:rPr lang="en-GB" sz="1200" u="none" strike="noStrike" dirty="0">
-                          <a:effectLst/>
-                        </a:rPr>
-                        <a:t>0.722449005</a:t>
-                      </a:r>
-                      <a:endParaRPr lang="en-GB" sz="1200" b="0" i="0" u="none" strike="noStrike" dirty="0">
-                        <a:solidFill>
-                          <a:srgbClr val="000000"/>
-                        </a:solidFill>
-                        <a:effectLst/>
-                        <a:latin typeface="Calibri" panose="020F0502020204030204" pitchFamily="34" charset="0"/>
-                      </a:endParaRPr>
-                    </a:p>
-                  </a:txBody>
-                  <a:tcPr marL="9525" marR="9525" marT="9525" marB="0" anchor="b"/>
-                </a:tc>
-                <a:extLst>
-                  <a:ext uri="{0D108BD9-81ED-4DB2-BD59-A6C34878D82A}">
-                    <a16:rowId xmlns:a16="http://schemas.microsoft.com/office/drawing/2014/main" val="2486834091"/>
-                  </a:ext>
-                </a:extLst>
-              </a:tr>
-              <a:tr h="423823">
-                <a:tc>
-                  <a:txBody>
-                    <a:bodyPr/>
-                    <a:lstStyle/>
-                    <a:p>
-                      <a:pPr algn="ctr" fontAlgn="b"/>
-                      <a:endParaRPr lang="en-GB" sz="1200" b="0" i="0" u="none" strike="noStrike" dirty="0">
-                        <a:solidFill>
-                          <a:srgbClr val="000000"/>
-                        </a:solidFill>
-                        <a:effectLst/>
-                        <a:latin typeface="Calibri" panose="020F0502020204030204" pitchFamily="34" charset="0"/>
-                      </a:endParaRPr>
-                    </a:p>
-                  </a:txBody>
-                  <a:tcPr marL="9525" marR="9525" marT="9525" marB="0" anchor="b"/>
-                </a:tc>
-                <a:tc>
-                  <a:txBody>
-                    <a:bodyPr/>
-                    <a:lstStyle/>
-                    <a:p>
-                      <a:pPr algn="ctr" fontAlgn="b"/>
-                      <a:endParaRPr lang="en-GB" sz="1200" b="0" i="0" u="none" strike="noStrike" dirty="0">
-                        <a:solidFill>
-                          <a:srgbClr val="000000"/>
-                        </a:solidFill>
-                        <a:effectLst/>
-                        <a:latin typeface="Calibri" panose="020F0502020204030204" pitchFamily="34" charset="0"/>
-                      </a:endParaRPr>
-                    </a:p>
-                  </a:txBody>
-                  <a:tcPr marL="9525" marR="9525" marT="9525" marB="0" anchor="b"/>
-                </a:tc>
-                <a:tc>
-                  <a:txBody>
-                    <a:bodyPr/>
-                    <a:lstStyle/>
-                    <a:p>
-                      <a:pPr algn="ctr" fontAlgn="b"/>
-                      <a:endParaRPr lang="en-GB" sz="1200" b="0" i="0" u="none" strike="noStrike">
-                        <a:solidFill>
-                          <a:srgbClr val="000000"/>
-                        </a:solidFill>
-                        <a:effectLst/>
-                        <a:latin typeface="Calibri" panose="020F0502020204030204" pitchFamily="34" charset="0"/>
-                      </a:endParaRPr>
-                    </a:p>
-                  </a:txBody>
-                  <a:tcPr marL="9525" marR="9525" marT="9525" marB="0" anchor="b"/>
-                </a:tc>
-                <a:extLst>
-                  <a:ext uri="{0D108BD9-81ED-4DB2-BD59-A6C34878D82A}">
-                    <a16:rowId xmlns:a16="http://schemas.microsoft.com/office/drawing/2014/main" val="2926351116"/>
-                  </a:ext>
-                </a:extLst>
-              </a:tr>
-              <a:tr h="423823">
-                <a:tc>
-                  <a:txBody>
-                    <a:bodyPr/>
-                    <a:lstStyle/>
-                    <a:p>
-                      <a:pPr algn="ctr" fontAlgn="b"/>
-                      <a:r>
-                        <a:rPr lang="en-GB" sz="1200" u="none" strike="noStrike" dirty="0" err="1">
-                          <a:effectLst/>
-                        </a:rPr>
-                        <a:t>Test_Size</a:t>
-                      </a:r>
-                      <a:r>
-                        <a:rPr lang="en-GB" sz="1200" u="none" strike="noStrike" dirty="0">
-                          <a:effectLst/>
-                        </a:rPr>
-                        <a:t>(40%) + Tanh Activation</a:t>
-                      </a:r>
-                      <a:endParaRPr lang="en-GB" sz="1200" b="0" i="0" u="none" strike="noStrike" dirty="0">
-                        <a:solidFill>
-                          <a:srgbClr val="000000"/>
-                        </a:solidFill>
-                        <a:effectLst/>
-                        <a:latin typeface="Calibri" panose="020F0502020204030204" pitchFamily="34" charset="0"/>
-                      </a:endParaRPr>
-                    </a:p>
-                  </a:txBody>
-                  <a:tcPr marL="9525" marR="9525" marT="9525" marB="0" anchor="b"/>
-                </a:tc>
-                <a:tc>
-                  <a:txBody>
-                    <a:bodyPr/>
-                    <a:lstStyle/>
-                    <a:p>
-                      <a:pPr algn="ctr" fontAlgn="b"/>
-                      <a:r>
-                        <a:rPr lang="en-GB" sz="1200" u="none" strike="noStrike" dirty="0">
-                          <a:effectLst/>
-                        </a:rPr>
-                        <a:t>0.573746562</a:t>
-                      </a:r>
-                      <a:endParaRPr lang="en-GB" sz="1200" b="0" i="0" u="none" strike="noStrike" dirty="0">
-                        <a:solidFill>
-                          <a:srgbClr val="000000"/>
-                        </a:solidFill>
-                        <a:effectLst/>
-                        <a:latin typeface="Calibri" panose="020F0502020204030204" pitchFamily="34" charset="0"/>
-                      </a:endParaRPr>
-                    </a:p>
-                  </a:txBody>
-                  <a:tcPr marL="9525" marR="9525" marT="9525" marB="0" anchor="b"/>
-                </a:tc>
-                <a:tc>
-                  <a:txBody>
-                    <a:bodyPr/>
-                    <a:lstStyle/>
-                    <a:p>
-                      <a:pPr algn="ctr" fontAlgn="b"/>
-                      <a:r>
-                        <a:rPr lang="en-GB" sz="1200" u="none" strike="noStrike" dirty="0">
-                          <a:effectLst/>
-                        </a:rPr>
-                        <a:t>0.719679296</a:t>
-                      </a:r>
-                      <a:endParaRPr lang="en-GB" sz="1200" b="0" i="0" u="none" strike="noStrike" dirty="0">
-                        <a:solidFill>
-                          <a:srgbClr val="000000"/>
-                        </a:solidFill>
-                        <a:effectLst/>
-                        <a:latin typeface="Calibri" panose="020F0502020204030204" pitchFamily="34" charset="0"/>
-                      </a:endParaRPr>
-                    </a:p>
-                  </a:txBody>
-                  <a:tcPr marL="9525" marR="9525" marT="9525" marB="0" anchor="b"/>
-                </a:tc>
-                <a:extLst>
-                  <a:ext uri="{0D108BD9-81ED-4DB2-BD59-A6C34878D82A}">
-                    <a16:rowId xmlns:a16="http://schemas.microsoft.com/office/drawing/2014/main" val="3628360862"/>
-                  </a:ext>
-                </a:extLst>
-              </a:tr>
-              <a:tr h="292393">
-                <a:tc>
-                  <a:txBody>
-                    <a:bodyPr/>
-                    <a:lstStyle/>
-                    <a:p>
-                      <a:pPr algn="ctr" fontAlgn="b"/>
-                      <a:endParaRPr lang="en-GB" sz="1200" b="0" i="0" u="none" strike="noStrike">
-                        <a:solidFill>
-                          <a:srgbClr val="000000"/>
-                        </a:solidFill>
-                        <a:effectLst/>
-                        <a:latin typeface="Calibri" panose="020F0502020204030204" pitchFamily="34" charset="0"/>
-                      </a:endParaRPr>
-                    </a:p>
-                  </a:txBody>
-                  <a:tcPr marL="9525" marR="9525" marT="9525" marB="0" anchor="b"/>
-                </a:tc>
-                <a:tc>
-                  <a:txBody>
-                    <a:bodyPr/>
-                    <a:lstStyle/>
-                    <a:p>
-                      <a:pPr algn="ctr" fontAlgn="b"/>
-                      <a:endParaRPr lang="en-GB" sz="1200" b="0" i="0" u="none" strike="noStrike">
-                        <a:solidFill>
-                          <a:srgbClr val="000000"/>
-                        </a:solidFill>
-                        <a:effectLst/>
-                        <a:latin typeface="Calibri" panose="020F0502020204030204" pitchFamily="34" charset="0"/>
-                      </a:endParaRPr>
-                    </a:p>
-                  </a:txBody>
-                  <a:tcPr marL="9525" marR="9525" marT="9525" marB="0" anchor="b"/>
-                </a:tc>
-                <a:tc>
-                  <a:txBody>
-                    <a:bodyPr/>
-                    <a:lstStyle/>
-                    <a:p>
-                      <a:pPr algn="ctr" fontAlgn="b"/>
-                      <a:endParaRPr lang="en-GB" sz="1200" b="0" i="0" u="none" strike="noStrike" dirty="0">
-                        <a:solidFill>
-                          <a:srgbClr val="000000"/>
-                        </a:solidFill>
-                        <a:effectLst/>
-                        <a:latin typeface="Calibri" panose="020F0502020204030204" pitchFamily="34" charset="0"/>
-                      </a:endParaRPr>
-                    </a:p>
-                  </a:txBody>
-                  <a:tcPr marL="9525" marR="9525" marT="9525" marB="0" anchor="b"/>
-                </a:tc>
-                <a:extLst>
-                  <a:ext uri="{0D108BD9-81ED-4DB2-BD59-A6C34878D82A}">
-                    <a16:rowId xmlns:a16="http://schemas.microsoft.com/office/drawing/2014/main" val="1816680806"/>
-                  </a:ext>
-                </a:extLst>
-              </a:tr>
-              <a:tr h="301607">
-                <a:tc>
-                  <a:txBody>
-                    <a:bodyPr/>
-                    <a:lstStyle/>
-                    <a:p>
-                      <a:pPr algn="ctr" fontAlgn="b"/>
-                      <a:r>
-                        <a:rPr lang="en-GB" sz="1200" u="none" strike="noStrike" dirty="0">
-                          <a:effectLst/>
-                        </a:rPr>
-                        <a:t>Automated Model</a:t>
-                      </a:r>
-                      <a:endParaRPr lang="en-GB" sz="1200" b="0" i="0" u="none" strike="noStrike" dirty="0">
-                        <a:solidFill>
-                          <a:srgbClr val="000000"/>
-                        </a:solidFill>
-                        <a:effectLst/>
-                        <a:latin typeface="Calibri" panose="020F0502020204030204" pitchFamily="34" charset="0"/>
-                      </a:endParaRPr>
-                    </a:p>
-                  </a:txBody>
-                  <a:tcPr marL="9525" marR="9525" marT="9525" marB="0" anchor="b"/>
-                </a:tc>
-                <a:tc>
-                  <a:txBody>
-                    <a:bodyPr/>
-                    <a:lstStyle/>
-                    <a:p>
-                      <a:pPr algn="ctr" fontAlgn="b"/>
-                      <a:r>
-                        <a:rPr lang="en-GB" sz="1200" u="none" strike="noStrike" dirty="0">
-                          <a:effectLst/>
-                        </a:rPr>
-                        <a:t>0.559253216</a:t>
-                      </a:r>
-                      <a:endParaRPr lang="en-GB" sz="1200" b="0" i="0" u="none" strike="noStrike" dirty="0">
-                        <a:solidFill>
-                          <a:srgbClr val="000000"/>
-                        </a:solidFill>
-                        <a:effectLst/>
-                        <a:latin typeface="Calibri" panose="020F0502020204030204" pitchFamily="34" charset="0"/>
-                      </a:endParaRPr>
-                    </a:p>
-                  </a:txBody>
-                  <a:tcPr marL="9525" marR="9525" marT="9525" marB="0" anchor="b"/>
-                </a:tc>
-                <a:tc>
-                  <a:txBody>
-                    <a:bodyPr/>
-                    <a:lstStyle/>
-                    <a:p>
-                      <a:pPr algn="ctr" fontAlgn="b"/>
-                      <a:r>
-                        <a:rPr lang="en-GB" sz="1200" u="none" strike="noStrike" dirty="0">
-                          <a:effectLst/>
-                        </a:rPr>
-                        <a:t>0.731195331</a:t>
-                      </a:r>
-                      <a:endParaRPr lang="en-GB" sz="1200" b="0" i="0" u="none" strike="noStrike" dirty="0">
-                        <a:solidFill>
-                          <a:srgbClr val="000000"/>
-                        </a:solidFill>
-                        <a:effectLst/>
-                        <a:latin typeface="Calibri" panose="020F0502020204030204" pitchFamily="34" charset="0"/>
-                      </a:endParaRPr>
-                    </a:p>
-                  </a:txBody>
-                  <a:tcPr marL="9525" marR="9525" marT="9525" marB="0" anchor="b"/>
-                </a:tc>
-                <a:extLst>
-                  <a:ext uri="{0D108BD9-81ED-4DB2-BD59-A6C34878D82A}">
-                    <a16:rowId xmlns:a16="http://schemas.microsoft.com/office/drawing/2014/main" val="1713750229"/>
-                  </a:ext>
-                </a:extLst>
-              </a:tr>
-            </a:tbl>
-          </a:graphicData>
-        </a:graphic>
-      </p:graphicFrame>
-    </p:spTree>
-    <p:extLst>
-      <p:ext uri="{BB962C8B-B14F-4D97-AF65-F5344CB8AC3E}">
-        <p14:creationId xmlns:p14="http://schemas.microsoft.com/office/powerpoint/2010/main" val="1465760527"/>
-      </p:ext>
-    </p:extLst>
-  </p:cSld>
-  <p:clrMapOvr>
-    <a:masterClrMapping/>
-  </p:clrMapOvr>
-</p:sld>
-</file>
-
 <file path=ppt/theme/theme1.xml><?xml version="1.0" encoding="utf-8"?>
 <a:theme xmlns:a="http://schemas.openxmlformats.org/drawingml/2006/main" name="Office Theme">
   <a:themeElements>

--- a/Images/table for accuracy score.pptx
+++ b/Images/table for accuracy score.pptx
@@ -6,6 +6,7 @@
   </p:sldMasterIdLst>
   <p:sldIdLst>
     <p:sldId id="256" r:id="rId2"/>
+    <p:sldId id="257" r:id="rId3"/>
   </p:sldIdLst>
   <p:sldSz cx="12192000" cy="6858000"/>
   <p:notesSz cx="6858000" cy="9144000"/>
@@ -261,7 +262,7 @@
           <a:p>
             <a:fld id="{0261C464-7383-A745-969B-A6C59AF0EE47}" type="datetimeFigureOut">
               <a:rPr lang="en-US" smtClean="0"/>
-              <a:t>2/10/23</a:t>
+              <a:t>2/11/23</a:t>
             </a:fld>
             <a:endParaRPr lang="en-US"/>
           </a:p>
@@ -461,7 +462,7 @@
           <a:p>
             <a:fld id="{0261C464-7383-A745-969B-A6C59AF0EE47}" type="datetimeFigureOut">
               <a:rPr lang="en-US" smtClean="0"/>
-              <a:t>2/10/23</a:t>
+              <a:t>2/11/23</a:t>
             </a:fld>
             <a:endParaRPr lang="en-US"/>
           </a:p>
@@ -671,7 +672,7 @@
           <a:p>
             <a:fld id="{0261C464-7383-A745-969B-A6C59AF0EE47}" type="datetimeFigureOut">
               <a:rPr lang="en-US" smtClean="0"/>
-              <a:t>2/10/23</a:t>
+              <a:t>2/11/23</a:t>
             </a:fld>
             <a:endParaRPr lang="en-US"/>
           </a:p>
@@ -871,7 +872,7 @@
           <a:p>
             <a:fld id="{0261C464-7383-A745-969B-A6C59AF0EE47}" type="datetimeFigureOut">
               <a:rPr lang="en-US" smtClean="0"/>
-              <a:t>2/10/23</a:t>
+              <a:t>2/11/23</a:t>
             </a:fld>
             <a:endParaRPr lang="en-US"/>
           </a:p>
@@ -1147,7 +1148,7 @@
           <a:p>
             <a:fld id="{0261C464-7383-A745-969B-A6C59AF0EE47}" type="datetimeFigureOut">
               <a:rPr lang="en-US" smtClean="0"/>
-              <a:t>2/10/23</a:t>
+              <a:t>2/11/23</a:t>
             </a:fld>
             <a:endParaRPr lang="en-US"/>
           </a:p>
@@ -1415,7 +1416,7 @@
           <a:p>
             <a:fld id="{0261C464-7383-A745-969B-A6C59AF0EE47}" type="datetimeFigureOut">
               <a:rPr lang="en-US" smtClean="0"/>
-              <a:t>2/10/23</a:t>
+              <a:t>2/11/23</a:t>
             </a:fld>
             <a:endParaRPr lang="en-US"/>
           </a:p>
@@ -1830,7 +1831,7 @@
           <a:p>
             <a:fld id="{0261C464-7383-A745-969B-A6C59AF0EE47}" type="datetimeFigureOut">
               <a:rPr lang="en-US" smtClean="0"/>
-              <a:t>2/10/23</a:t>
+              <a:t>2/11/23</a:t>
             </a:fld>
             <a:endParaRPr lang="en-US"/>
           </a:p>
@@ -1972,7 +1973,7 @@
           <a:p>
             <a:fld id="{0261C464-7383-A745-969B-A6C59AF0EE47}" type="datetimeFigureOut">
               <a:rPr lang="en-US" smtClean="0"/>
-              <a:t>2/10/23</a:t>
+              <a:t>2/11/23</a:t>
             </a:fld>
             <a:endParaRPr lang="en-US"/>
           </a:p>
@@ -2085,7 +2086,7 @@
           <a:p>
             <a:fld id="{0261C464-7383-A745-969B-A6C59AF0EE47}" type="datetimeFigureOut">
               <a:rPr lang="en-US" smtClean="0"/>
-              <a:t>2/10/23</a:t>
+              <a:t>2/11/23</a:t>
             </a:fld>
             <a:endParaRPr lang="en-US"/>
           </a:p>
@@ -2398,7 +2399,7 @@
           <a:p>
             <a:fld id="{0261C464-7383-A745-969B-A6C59AF0EE47}" type="datetimeFigureOut">
               <a:rPr lang="en-US" smtClean="0"/>
-              <a:t>2/10/23</a:t>
+              <a:t>2/11/23</a:t>
             </a:fld>
             <a:endParaRPr lang="en-US"/>
           </a:p>
@@ -2687,7 +2688,7 @@
           <a:p>
             <a:fld id="{0261C464-7383-A745-969B-A6C59AF0EE47}" type="datetimeFigureOut">
               <a:rPr lang="en-US" smtClean="0"/>
-              <a:t>2/10/23</a:t>
+              <a:t>2/11/23</a:t>
             </a:fld>
             <a:endParaRPr lang="en-US"/>
           </a:p>
@@ -2930,7 +2931,7 @@
           <a:p>
             <a:fld id="{0261C464-7383-A745-969B-A6C59AF0EE47}" type="datetimeFigureOut">
               <a:rPr lang="en-US" smtClean="0"/>
-              <a:t>2/10/23</a:t>
+              <a:t>2/11/23</a:t>
             </a:fld>
             <a:endParaRPr lang="en-US"/>
           </a:p>
@@ -4195,6 +4196,163 @@
 </p:sld>
 </file>
 
+<file path=ppt/slides/slide2.xml><?xml version="1.0" encoding="utf-8"?>
+<p:sld xmlns:a="http://schemas.openxmlformats.org/drawingml/2006/main" xmlns:r="http://schemas.openxmlformats.org/officeDocument/2006/relationships" xmlns:p="http://schemas.openxmlformats.org/presentationml/2006/main">
+  <p:cSld>
+    <p:spTree>
+      <p:nvGrpSpPr>
+        <p:cNvPr id="1" name=""/>
+        <p:cNvGrpSpPr/>
+        <p:nvPr/>
+      </p:nvGrpSpPr>
+      <p:grpSpPr>
+        <a:xfrm>
+          <a:off x="0" y="0"/>
+          <a:ext cx="0" cy="0"/>
+          <a:chOff x="0" y="0"/>
+          <a:chExt cx="0" cy="0"/>
+        </a:xfrm>
+      </p:grpSpPr>
+      <p:grpSp>
+        <p:nvGrpSpPr>
+          <p:cNvPr id="8" name="Group 7">
+            <a:extLst>
+              <a:ext uri="{FF2B5EF4-FFF2-40B4-BE49-F238E27FC236}">
+                <a16:creationId xmlns:a16="http://schemas.microsoft.com/office/drawing/2014/main" id="{DF485109-66FD-B2BE-120A-AF04D8BFE7AA}"/>
+              </a:ext>
+            </a:extLst>
+          </p:cNvPr>
+          <p:cNvGrpSpPr/>
+          <p:nvPr/>
+        </p:nvGrpSpPr>
+        <p:grpSpPr>
+          <a:xfrm>
+            <a:off x="2762250" y="1765300"/>
+            <a:ext cx="7827385" cy="3327400"/>
+            <a:chOff x="2762250" y="1765300"/>
+            <a:chExt cx="7827385" cy="3327400"/>
+          </a:xfrm>
+        </p:grpSpPr>
+        <p:pic>
+          <p:nvPicPr>
+            <p:cNvPr id="5" name="Graphic 4">
+              <a:extLst>
+                <a:ext uri="{FF2B5EF4-FFF2-40B4-BE49-F238E27FC236}">
+                  <a16:creationId xmlns:a16="http://schemas.microsoft.com/office/drawing/2014/main" id="{A7629B5D-E47E-EC5E-C497-CCEF1CFC072C}"/>
+                </a:ext>
+              </a:extLst>
+            </p:cNvPr>
+            <p:cNvPicPr>
+              <a:picLocks noChangeAspect="1"/>
+            </p:cNvPicPr>
+            <p:nvPr/>
+          </p:nvPicPr>
+          <p:blipFill>
+            <a:blip r:embed="rId2">
+              <a:extLst>
+                <a:ext uri="{96DAC541-7B7A-43D3-8B79-37D633B846F1}">
+                  <asvg:svgBlip xmlns:asvg="http://schemas.microsoft.com/office/drawing/2016/SVG/main" r:embed="rId3"/>
+                </a:ext>
+              </a:extLst>
+            </a:blip>
+            <a:stretch>
+              <a:fillRect/>
+            </a:stretch>
+          </p:blipFill>
+          <p:spPr>
+            <a:xfrm>
+              <a:off x="2762250" y="1765300"/>
+              <a:ext cx="6667500" cy="3327400"/>
+            </a:xfrm>
+            <a:prstGeom prst="rect">
+              <a:avLst/>
+            </a:prstGeom>
+          </p:spPr>
+        </p:pic>
+        <p:sp>
+          <p:nvSpPr>
+            <p:cNvPr id="6" name="TextBox 5">
+              <a:extLst>
+                <a:ext uri="{FF2B5EF4-FFF2-40B4-BE49-F238E27FC236}">
+                  <a16:creationId xmlns:a16="http://schemas.microsoft.com/office/drawing/2014/main" id="{0385A354-BC0C-E7DB-51F8-D1B2C479C503}"/>
+                </a:ext>
+              </a:extLst>
+            </p:cNvPr>
+            <p:cNvSpPr txBox="1"/>
+            <p:nvPr/>
+          </p:nvSpPr>
+          <p:spPr>
+            <a:xfrm>
+              <a:off x="9091083" y="2980266"/>
+              <a:ext cx="1097801" cy="369332"/>
+            </a:xfrm>
+            <a:prstGeom prst="rect">
+              <a:avLst/>
+            </a:prstGeom>
+            <a:noFill/>
+          </p:spPr>
+          <p:txBody>
+            <a:bodyPr wrap="none" rtlCol="0">
+              <a:spAutoFit/>
+            </a:bodyPr>
+            <a:lstStyle/>
+            <a:p>
+              <a:r>
+                <a:rPr lang="en-US" dirty="0"/>
+                <a:t>Approved</a:t>
+              </a:r>
+            </a:p>
+          </p:txBody>
+        </p:sp>
+        <p:sp>
+          <p:nvSpPr>
+            <p:cNvPr id="7" name="TextBox 6">
+              <a:extLst>
+                <a:ext uri="{FF2B5EF4-FFF2-40B4-BE49-F238E27FC236}">
+                  <a16:creationId xmlns:a16="http://schemas.microsoft.com/office/drawing/2014/main" id="{AFAFDA3C-63F3-D371-F98B-AE7B5F2B157A}"/>
+                </a:ext>
+              </a:extLst>
+            </p:cNvPr>
+            <p:cNvSpPr txBox="1"/>
+            <p:nvPr/>
+          </p:nvSpPr>
+          <p:spPr>
+            <a:xfrm>
+              <a:off x="9091083" y="3494673"/>
+              <a:ext cx="1498552" cy="369332"/>
+            </a:xfrm>
+            <a:prstGeom prst="rect">
+              <a:avLst/>
+            </a:prstGeom>
+            <a:noFill/>
+          </p:spPr>
+          <p:txBody>
+            <a:bodyPr wrap="none" rtlCol="0">
+              <a:spAutoFit/>
+            </a:bodyPr>
+            <a:lstStyle/>
+            <a:p>
+              <a:r>
+                <a:rPr lang="en-US" dirty="0"/>
+                <a:t>Not Approved</a:t>
+              </a:r>
+            </a:p>
+          </p:txBody>
+        </p:sp>
+      </p:grpSp>
+    </p:spTree>
+    <p:extLst>
+      <p:ext uri="{BB962C8B-B14F-4D97-AF65-F5344CB8AC3E}">
+        <p14:creationId xmlns:p14="http://schemas.microsoft.com/office/powerpoint/2010/main" val="513418931"/>
+      </p:ext>
+    </p:extLst>
+  </p:cSld>
+  <p:clrMapOvr>
+    <a:masterClrMapping/>
+  </p:clrMapOvr>
+</p:sld>
+</file>
+
 <file path=ppt/theme/theme1.xml><?xml version="1.0" encoding="utf-8"?>
 <a:theme xmlns:a="http://schemas.openxmlformats.org/drawingml/2006/main" name="Office Theme">
   <a:themeElements>

--- a/Images/table for accuracy score.pptx
+++ b/Images/table for accuracy score.pptx
@@ -262,7 +262,7 @@
           <a:p>
             <a:fld id="{0261C464-7383-A745-969B-A6C59AF0EE47}" type="datetimeFigureOut">
               <a:rPr lang="en-US" smtClean="0"/>
-              <a:t>2/11/23</a:t>
+              <a:t>2/12/23</a:t>
             </a:fld>
             <a:endParaRPr lang="en-US"/>
           </a:p>
@@ -462,7 +462,7 @@
           <a:p>
             <a:fld id="{0261C464-7383-A745-969B-A6C59AF0EE47}" type="datetimeFigureOut">
               <a:rPr lang="en-US" smtClean="0"/>
-              <a:t>2/11/23</a:t>
+              <a:t>2/12/23</a:t>
             </a:fld>
             <a:endParaRPr lang="en-US"/>
           </a:p>
@@ -672,7 +672,7 @@
           <a:p>
             <a:fld id="{0261C464-7383-A745-969B-A6C59AF0EE47}" type="datetimeFigureOut">
               <a:rPr lang="en-US" smtClean="0"/>
-              <a:t>2/11/23</a:t>
+              <a:t>2/12/23</a:t>
             </a:fld>
             <a:endParaRPr lang="en-US"/>
           </a:p>
@@ -872,7 +872,7 @@
           <a:p>
             <a:fld id="{0261C464-7383-A745-969B-A6C59AF0EE47}" type="datetimeFigureOut">
               <a:rPr lang="en-US" smtClean="0"/>
-              <a:t>2/11/23</a:t>
+              <a:t>2/12/23</a:t>
             </a:fld>
             <a:endParaRPr lang="en-US"/>
           </a:p>
@@ -1148,7 +1148,7 @@
           <a:p>
             <a:fld id="{0261C464-7383-A745-969B-A6C59AF0EE47}" type="datetimeFigureOut">
               <a:rPr lang="en-US" smtClean="0"/>
-              <a:t>2/11/23</a:t>
+              <a:t>2/12/23</a:t>
             </a:fld>
             <a:endParaRPr lang="en-US"/>
           </a:p>
@@ -1416,7 +1416,7 @@
           <a:p>
             <a:fld id="{0261C464-7383-A745-969B-A6C59AF0EE47}" type="datetimeFigureOut">
               <a:rPr lang="en-US" smtClean="0"/>
-              <a:t>2/11/23</a:t>
+              <a:t>2/12/23</a:t>
             </a:fld>
             <a:endParaRPr lang="en-US"/>
           </a:p>
@@ -1831,7 +1831,7 @@
           <a:p>
             <a:fld id="{0261C464-7383-A745-969B-A6C59AF0EE47}" type="datetimeFigureOut">
               <a:rPr lang="en-US" smtClean="0"/>
-              <a:t>2/11/23</a:t>
+              <a:t>2/12/23</a:t>
             </a:fld>
             <a:endParaRPr lang="en-US"/>
           </a:p>
@@ -1973,7 +1973,7 @@
           <a:p>
             <a:fld id="{0261C464-7383-A745-969B-A6C59AF0EE47}" type="datetimeFigureOut">
               <a:rPr lang="en-US" smtClean="0"/>
-              <a:t>2/11/23</a:t>
+              <a:t>2/12/23</a:t>
             </a:fld>
             <a:endParaRPr lang="en-US"/>
           </a:p>
@@ -2086,7 +2086,7 @@
           <a:p>
             <a:fld id="{0261C464-7383-A745-969B-A6C59AF0EE47}" type="datetimeFigureOut">
               <a:rPr lang="en-US" smtClean="0"/>
-              <a:t>2/11/23</a:t>
+              <a:t>2/12/23</a:t>
             </a:fld>
             <a:endParaRPr lang="en-US"/>
           </a:p>
@@ -2399,7 +2399,7 @@
           <a:p>
             <a:fld id="{0261C464-7383-A745-969B-A6C59AF0EE47}" type="datetimeFigureOut">
               <a:rPr lang="en-US" smtClean="0"/>
-              <a:t>2/11/23</a:t>
+              <a:t>2/12/23</a:t>
             </a:fld>
             <a:endParaRPr lang="en-US"/>
           </a:p>
@@ -2688,7 +2688,7 @@
           <a:p>
             <a:fld id="{0261C464-7383-A745-969B-A6C59AF0EE47}" type="datetimeFigureOut">
               <a:rPr lang="en-US" smtClean="0"/>
-              <a:t>2/11/23</a:t>
+              <a:t>2/12/23</a:t>
             </a:fld>
             <a:endParaRPr lang="en-US"/>
           </a:p>
@@ -2931,7 +2931,7 @@
           <a:p>
             <a:fld id="{0261C464-7383-A745-969B-A6C59AF0EE47}" type="datetimeFigureOut">
               <a:rPr lang="en-US" smtClean="0"/>
-              <a:t>2/11/23</a:t>
+              <a:t>2/12/23</a:t>
             </a:fld>
             <a:endParaRPr lang="en-US"/>
           </a:p>
@@ -4215,10 +4215,10 @@
       </p:grpSpPr>
       <p:grpSp>
         <p:nvGrpSpPr>
-          <p:cNvPr id="8" name="Group 7">
-            <a:extLst>
-              <a:ext uri="{FF2B5EF4-FFF2-40B4-BE49-F238E27FC236}">
-                <a16:creationId xmlns:a16="http://schemas.microsoft.com/office/drawing/2014/main" id="{DF485109-66FD-B2BE-120A-AF04D8BFE7AA}"/>
+          <p:cNvPr id="3" name="Group 2">
+            <a:extLst>
+              <a:ext uri="{FF2B5EF4-FFF2-40B4-BE49-F238E27FC236}">
+                <a16:creationId xmlns:a16="http://schemas.microsoft.com/office/drawing/2014/main" id="{FB7FF2F8-1A42-E586-A875-F1ABB98D7F3C}"/>
               </a:ext>
             </a:extLst>
           </p:cNvPr>
@@ -4227,10 +4227,10 @@
         </p:nvGrpSpPr>
         <p:grpSpPr>
           <a:xfrm>
-            <a:off x="2762250" y="1765300"/>
-            <a:ext cx="7827385" cy="3327400"/>
-            <a:chOff x="2762250" y="1765300"/>
-            <a:chExt cx="7827385" cy="3327400"/>
+            <a:off x="1409971" y="1765300"/>
+            <a:ext cx="9227817" cy="3327400"/>
+            <a:chOff x="1409971" y="1765300"/>
+            <a:chExt cx="9227817" cy="3327400"/>
           </a:xfrm>
         </p:grpSpPr>
         <p:pic>
@@ -4284,7 +4284,7 @@
           <p:spPr>
             <a:xfrm>
               <a:off x="9091083" y="2980266"/>
-              <a:ext cx="1097801" cy="369332"/>
+              <a:ext cx="1145955" cy="369332"/>
             </a:xfrm>
             <a:prstGeom prst="rect">
               <a:avLst/>
@@ -4299,7 +4299,7 @@
             <a:p>
               <a:r>
                 <a:rPr lang="en-US" dirty="0"/>
-                <a:t>Approved</a:t>
+                <a:t>Successful</a:t>
               </a:r>
             </a:p>
           </p:txBody>
@@ -4319,7 +4319,7 @@
           <p:spPr>
             <a:xfrm>
               <a:off x="9091083" y="3494673"/>
-              <a:ext cx="1498552" cy="369332"/>
+              <a:ext cx="1546705" cy="369332"/>
             </a:xfrm>
             <a:prstGeom prst="rect">
               <a:avLst/>
@@ -4334,7 +4334,42 @@
             <a:p>
               <a:r>
                 <a:rPr lang="en-US" dirty="0"/>
-                <a:t>Not Approved</a:t>
+                <a:t>Not Successful</a:t>
+              </a:r>
+            </a:p>
+          </p:txBody>
+        </p:sp>
+        <p:sp>
+          <p:nvSpPr>
+            <p:cNvPr id="2" name="TextBox 1">
+              <a:extLst>
+                <a:ext uri="{FF2B5EF4-FFF2-40B4-BE49-F238E27FC236}">
+                  <a16:creationId xmlns:a16="http://schemas.microsoft.com/office/drawing/2014/main" id="{4BA2907B-3B8C-68A4-AE3F-40989C8BE469}"/>
+                </a:ext>
+              </a:extLst>
+            </p:cNvPr>
+            <p:cNvSpPr txBox="1"/>
+            <p:nvPr/>
+          </p:nvSpPr>
+          <p:spPr>
+            <a:xfrm>
+              <a:off x="1409971" y="3178986"/>
+              <a:ext cx="1598002" cy="369332"/>
+            </a:xfrm>
+            <a:prstGeom prst="rect">
+              <a:avLst/>
+            </a:prstGeom>
+            <a:noFill/>
+          </p:spPr>
+          <p:txBody>
+            <a:bodyPr wrap="none" rtlCol="0">
+              <a:spAutoFit/>
+            </a:bodyPr>
+            <a:lstStyle/>
+            <a:p>
+              <a:r>
+                <a:rPr lang="en-US" dirty="0"/>
+                <a:t>Input Features</a:t>
               </a:r>
             </a:p>
           </p:txBody>
